--- a/ppt 16-9/1002.依靠主的人.pptx
+++ b/ppt 16-9/1002.依靠主的人.pptx
@@ -129,7 +129,7 @@
           <p:cNvPr id="2" name="标题 1">
             <a:extLst>
               <a:ext uri="{FF2B5EF4-FFF2-40B4-BE49-F238E27FC236}">
-                <a16:creationId xmlns:a16="http://schemas.microsoft.com/office/drawing/2014/main" id="{14E179A6-F028-1AEB-6689-4A8A89F6077A}"/>
+                <a16:creationId xmlns:a16="http://schemas.microsoft.com/office/drawing/2014/main" id="{118E6474-C53D-A095-C219-EED5D0BA3446}"/>
               </a:ext>
             </a:extLst>
           </p:cNvPr>
@@ -166,7 +166,7 @@
           <p:cNvPr id="3" name="副标题 2">
             <a:extLst>
               <a:ext uri="{FF2B5EF4-FFF2-40B4-BE49-F238E27FC236}">
-                <a16:creationId xmlns:a16="http://schemas.microsoft.com/office/drawing/2014/main" id="{2524672D-C3D9-FF12-4444-9D3FC66051B2}"/>
+                <a16:creationId xmlns:a16="http://schemas.microsoft.com/office/drawing/2014/main" id="{337C07DA-8E02-B1C1-0ABE-689C60FBBC92}"/>
               </a:ext>
             </a:extLst>
           </p:cNvPr>
@@ -236,7 +236,7 @@
           <p:cNvPr id="4" name="日期占位符 3">
             <a:extLst>
               <a:ext uri="{FF2B5EF4-FFF2-40B4-BE49-F238E27FC236}">
-                <a16:creationId xmlns:a16="http://schemas.microsoft.com/office/drawing/2014/main" id="{19242D65-9C0A-25E0-DB2B-396C067AFA70}"/>
+                <a16:creationId xmlns:a16="http://schemas.microsoft.com/office/drawing/2014/main" id="{E484950A-B0CE-5394-9EAD-727CD9EA064C}"/>
               </a:ext>
             </a:extLst>
           </p:cNvPr>
@@ -252,7 +252,7 @@
           <a:bodyPr/>
           <a:lstStyle/>
           <a:p>
-            <a:fld id="{6CB16E69-54F6-4642-AE98-640E3E442860}" type="datetimeFigureOut">
+            <a:fld id="{871FB27D-F792-400B-AA25-56871DD7C2F9}" type="datetimeFigureOut">
               <a:rPr lang="zh-CN" altLang="en-US" smtClean="0"/>
               <a:t>2024/3/10</a:t>
             </a:fld>
@@ -265,7 +265,7 @@
           <p:cNvPr id="5" name="页脚占位符 4">
             <a:extLst>
               <a:ext uri="{FF2B5EF4-FFF2-40B4-BE49-F238E27FC236}">
-                <a16:creationId xmlns:a16="http://schemas.microsoft.com/office/drawing/2014/main" id="{E010A862-8AE8-3ECB-C90B-C72E66BF59B2}"/>
+                <a16:creationId xmlns:a16="http://schemas.microsoft.com/office/drawing/2014/main" id="{5B3DB5B7-61A0-94E1-3DC5-4C3C1B7A2587}"/>
               </a:ext>
             </a:extLst>
           </p:cNvPr>
@@ -290,7 +290,7 @@
           <p:cNvPr id="6" name="灯片编号占位符 5">
             <a:extLst>
               <a:ext uri="{FF2B5EF4-FFF2-40B4-BE49-F238E27FC236}">
-                <a16:creationId xmlns:a16="http://schemas.microsoft.com/office/drawing/2014/main" id="{FBF523BF-AF7C-CCEE-983B-FD56FE12ADE8}"/>
+                <a16:creationId xmlns:a16="http://schemas.microsoft.com/office/drawing/2014/main" id="{97F7D875-DC88-F936-188B-894107E3337F}"/>
               </a:ext>
             </a:extLst>
           </p:cNvPr>
@@ -306,7 +306,7 @@
           <a:bodyPr/>
           <a:lstStyle/>
           <a:p>
-            <a:fld id="{A4FB184F-146D-48CB-A03E-7248E719BF40}" type="slidenum">
+            <a:fld id="{6F25E0C2-1275-43ED-A579-8575476856E1}" type="slidenum">
               <a:rPr lang="zh-CN" altLang="en-US" smtClean="0"/>
               <a:t>‹#›</a:t>
             </a:fld>
@@ -317,7 +317,7 @@
     </p:spTree>
     <p:extLst>
       <p:ext uri="{BB962C8B-B14F-4D97-AF65-F5344CB8AC3E}">
-        <p14:creationId xmlns:p14="http://schemas.microsoft.com/office/powerpoint/2010/main" val="1776644007"/>
+        <p14:creationId xmlns:p14="http://schemas.microsoft.com/office/powerpoint/2010/main" val="1147478779"/>
       </p:ext>
     </p:extLst>
   </p:cSld>
@@ -349,7 +349,7 @@
           <p:cNvPr id="2" name="标题 1">
             <a:extLst>
               <a:ext uri="{FF2B5EF4-FFF2-40B4-BE49-F238E27FC236}">
-                <a16:creationId xmlns:a16="http://schemas.microsoft.com/office/drawing/2014/main" id="{8535C3C6-622F-69EA-74F9-D0BEA1540A1C}"/>
+                <a16:creationId xmlns:a16="http://schemas.microsoft.com/office/drawing/2014/main" id="{040B947A-C914-223C-0928-301FB3942AD0}"/>
               </a:ext>
             </a:extLst>
           </p:cNvPr>
@@ -377,7 +377,7 @@
           <p:cNvPr id="3" name="竖排文字占位符 2">
             <a:extLst>
               <a:ext uri="{FF2B5EF4-FFF2-40B4-BE49-F238E27FC236}">
-                <a16:creationId xmlns:a16="http://schemas.microsoft.com/office/drawing/2014/main" id="{22BE5993-AF94-2198-0194-1E6F890CF279}"/>
+                <a16:creationId xmlns:a16="http://schemas.microsoft.com/office/drawing/2014/main" id="{96613773-B8FF-0882-AD45-5286914360F1}"/>
               </a:ext>
             </a:extLst>
           </p:cNvPr>
@@ -434,7 +434,7 @@
           <p:cNvPr id="4" name="日期占位符 3">
             <a:extLst>
               <a:ext uri="{FF2B5EF4-FFF2-40B4-BE49-F238E27FC236}">
-                <a16:creationId xmlns:a16="http://schemas.microsoft.com/office/drawing/2014/main" id="{194028EA-7FB0-396D-FCDC-336AAA72843E}"/>
+                <a16:creationId xmlns:a16="http://schemas.microsoft.com/office/drawing/2014/main" id="{F74E1607-14A9-DCB0-1BCB-D1EB94E23A57}"/>
               </a:ext>
             </a:extLst>
           </p:cNvPr>
@@ -450,7 +450,7 @@
           <a:bodyPr/>
           <a:lstStyle/>
           <a:p>
-            <a:fld id="{6CB16E69-54F6-4642-AE98-640E3E442860}" type="datetimeFigureOut">
+            <a:fld id="{871FB27D-F792-400B-AA25-56871DD7C2F9}" type="datetimeFigureOut">
               <a:rPr lang="zh-CN" altLang="en-US" smtClean="0"/>
               <a:t>2024/3/10</a:t>
             </a:fld>
@@ -463,7 +463,7 @@
           <p:cNvPr id="5" name="页脚占位符 4">
             <a:extLst>
               <a:ext uri="{FF2B5EF4-FFF2-40B4-BE49-F238E27FC236}">
-                <a16:creationId xmlns:a16="http://schemas.microsoft.com/office/drawing/2014/main" id="{2A0E8E8D-A62D-2627-0295-49C72293B05A}"/>
+                <a16:creationId xmlns:a16="http://schemas.microsoft.com/office/drawing/2014/main" id="{2E83F8F8-D09F-7D4E-107D-041B4BFF3A8A}"/>
               </a:ext>
             </a:extLst>
           </p:cNvPr>
@@ -488,7 +488,7 @@
           <p:cNvPr id="6" name="灯片编号占位符 5">
             <a:extLst>
               <a:ext uri="{FF2B5EF4-FFF2-40B4-BE49-F238E27FC236}">
-                <a16:creationId xmlns:a16="http://schemas.microsoft.com/office/drawing/2014/main" id="{F261DC41-41D2-3E08-1A54-B4CD9088FB25}"/>
+                <a16:creationId xmlns:a16="http://schemas.microsoft.com/office/drawing/2014/main" id="{096714BE-24D8-B70A-EB73-E61024DA8B33}"/>
               </a:ext>
             </a:extLst>
           </p:cNvPr>
@@ -504,7 +504,7 @@
           <a:bodyPr/>
           <a:lstStyle/>
           <a:p>
-            <a:fld id="{A4FB184F-146D-48CB-A03E-7248E719BF40}" type="slidenum">
+            <a:fld id="{6F25E0C2-1275-43ED-A579-8575476856E1}" type="slidenum">
               <a:rPr lang="zh-CN" altLang="en-US" smtClean="0"/>
               <a:t>‹#›</a:t>
             </a:fld>
@@ -515,7 +515,7 @@
     </p:spTree>
     <p:extLst>
       <p:ext uri="{BB962C8B-B14F-4D97-AF65-F5344CB8AC3E}">
-        <p14:creationId xmlns:p14="http://schemas.microsoft.com/office/powerpoint/2010/main" val="3877964975"/>
+        <p14:creationId xmlns:p14="http://schemas.microsoft.com/office/powerpoint/2010/main" val="580724412"/>
       </p:ext>
     </p:extLst>
   </p:cSld>
@@ -547,7 +547,7 @@
           <p:cNvPr id="2" name="竖排标题 1">
             <a:extLst>
               <a:ext uri="{FF2B5EF4-FFF2-40B4-BE49-F238E27FC236}">
-                <a16:creationId xmlns:a16="http://schemas.microsoft.com/office/drawing/2014/main" id="{76A40C35-ADEF-A6D5-F871-D6C77CBDDF98}"/>
+                <a16:creationId xmlns:a16="http://schemas.microsoft.com/office/drawing/2014/main" id="{738EB907-9E04-A133-E85F-395D6CECDD00}"/>
               </a:ext>
             </a:extLst>
           </p:cNvPr>
@@ -580,7 +580,7 @@
           <p:cNvPr id="3" name="竖排文字占位符 2">
             <a:extLst>
               <a:ext uri="{FF2B5EF4-FFF2-40B4-BE49-F238E27FC236}">
-                <a16:creationId xmlns:a16="http://schemas.microsoft.com/office/drawing/2014/main" id="{D03407B1-5561-38A8-6AE3-BAE4AB7A4439}"/>
+                <a16:creationId xmlns:a16="http://schemas.microsoft.com/office/drawing/2014/main" id="{154BD2A3-A5C7-05C3-5E02-E78E3D46257C}"/>
               </a:ext>
             </a:extLst>
           </p:cNvPr>
@@ -642,7 +642,7 @@
           <p:cNvPr id="4" name="日期占位符 3">
             <a:extLst>
               <a:ext uri="{FF2B5EF4-FFF2-40B4-BE49-F238E27FC236}">
-                <a16:creationId xmlns:a16="http://schemas.microsoft.com/office/drawing/2014/main" id="{9BE2CB89-39BA-10B8-53F2-71C2BD374CE2}"/>
+                <a16:creationId xmlns:a16="http://schemas.microsoft.com/office/drawing/2014/main" id="{46D63EED-C48E-A1DA-1D6E-E6D8E7747FF5}"/>
               </a:ext>
             </a:extLst>
           </p:cNvPr>
@@ -658,7 +658,7 @@
           <a:bodyPr/>
           <a:lstStyle/>
           <a:p>
-            <a:fld id="{6CB16E69-54F6-4642-AE98-640E3E442860}" type="datetimeFigureOut">
+            <a:fld id="{871FB27D-F792-400B-AA25-56871DD7C2F9}" type="datetimeFigureOut">
               <a:rPr lang="zh-CN" altLang="en-US" smtClean="0"/>
               <a:t>2024/3/10</a:t>
             </a:fld>
@@ -671,7 +671,7 @@
           <p:cNvPr id="5" name="页脚占位符 4">
             <a:extLst>
               <a:ext uri="{FF2B5EF4-FFF2-40B4-BE49-F238E27FC236}">
-                <a16:creationId xmlns:a16="http://schemas.microsoft.com/office/drawing/2014/main" id="{05A96592-1E86-BE80-56D6-19A327CD3FB7}"/>
+                <a16:creationId xmlns:a16="http://schemas.microsoft.com/office/drawing/2014/main" id="{4BA4FF22-A030-3387-BD32-27709AF14AB0}"/>
               </a:ext>
             </a:extLst>
           </p:cNvPr>
@@ -696,7 +696,7 @@
           <p:cNvPr id="6" name="灯片编号占位符 5">
             <a:extLst>
               <a:ext uri="{FF2B5EF4-FFF2-40B4-BE49-F238E27FC236}">
-                <a16:creationId xmlns:a16="http://schemas.microsoft.com/office/drawing/2014/main" id="{466BC77B-8594-3804-D3CB-01C1F64438D5}"/>
+                <a16:creationId xmlns:a16="http://schemas.microsoft.com/office/drawing/2014/main" id="{E45FCB22-D0A8-6E17-36EC-532EDFF1624F}"/>
               </a:ext>
             </a:extLst>
           </p:cNvPr>
@@ -712,7 +712,7 @@
           <a:bodyPr/>
           <a:lstStyle/>
           <a:p>
-            <a:fld id="{A4FB184F-146D-48CB-A03E-7248E719BF40}" type="slidenum">
+            <a:fld id="{6F25E0C2-1275-43ED-A579-8575476856E1}" type="slidenum">
               <a:rPr lang="zh-CN" altLang="en-US" smtClean="0"/>
               <a:t>‹#›</a:t>
             </a:fld>
@@ -723,7 +723,7 @@
     </p:spTree>
     <p:extLst>
       <p:ext uri="{BB962C8B-B14F-4D97-AF65-F5344CB8AC3E}">
-        <p14:creationId xmlns:p14="http://schemas.microsoft.com/office/powerpoint/2010/main" val="1547713955"/>
+        <p14:creationId xmlns:p14="http://schemas.microsoft.com/office/powerpoint/2010/main" val="1606494155"/>
       </p:ext>
     </p:extLst>
   </p:cSld>
@@ -755,7 +755,7 @@
           <p:cNvPr id="2" name="标题 1">
             <a:extLst>
               <a:ext uri="{FF2B5EF4-FFF2-40B4-BE49-F238E27FC236}">
-                <a16:creationId xmlns:a16="http://schemas.microsoft.com/office/drawing/2014/main" id="{92E1965B-C206-FE86-1B44-287DB62F5CC4}"/>
+                <a16:creationId xmlns:a16="http://schemas.microsoft.com/office/drawing/2014/main" id="{5434372B-34E1-8A0F-B88E-BA3AFE9F15DA}"/>
               </a:ext>
             </a:extLst>
           </p:cNvPr>
@@ -783,7 +783,7 @@
           <p:cNvPr id="3" name="内容占位符 2">
             <a:extLst>
               <a:ext uri="{FF2B5EF4-FFF2-40B4-BE49-F238E27FC236}">
-                <a16:creationId xmlns:a16="http://schemas.microsoft.com/office/drawing/2014/main" id="{8D4098A1-AE7F-FE3B-537D-693159D86184}"/>
+                <a16:creationId xmlns:a16="http://schemas.microsoft.com/office/drawing/2014/main" id="{74159DE6-A9A3-8D92-2CF1-D6CCAC6EBD67}"/>
               </a:ext>
             </a:extLst>
           </p:cNvPr>
@@ -840,7 +840,7 @@
           <p:cNvPr id="4" name="日期占位符 3">
             <a:extLst>
               <a:ext uri="{FF2B5EF4-FFF2-40B4-BE49-F238E27FC236}">
-                <a16:creationId xmlns:a16="http://schemas.microsoft.com/office/drawing/2014/main" id="{684A77C2-B050-A025-B7CE-90F1DE37D3D6}"/>
+                <a16:creationId xmlns:a16="http://schemas.microsoft.com/office/drawing/2014/main" id="{0D946EB8-4FC3-FDFF-E815-ABF915F3B405}"/>
               </a:ext>
             </a:extLst>
           </p:cNvPr>
@@ -856,7 +856,7 @@
           <a:bodyPr/>
           <a:lstStyle/>
           <a:p>
-            <a:fld id="{6CB16E69-54F6-4642-AE98-640E3E442860}" type="datetimeFigureOut">
+            <a:fld id="{871FB27D-F792-400B-AA25-56871DD7C2F9}" type="datetimeFigureOut">
               <a:rPr lang="zh-CN" altLang="en-US" smtClean="0"/>
               <a:t>2024/3/10</a:t>
             </a:fld>
@@ -869,7 +869,7 @@
           <p:cNvPr id="5" name="页脚占位符 4">
             <a:extLst>
               <a:ext uri="{FF2B5EF4-FFF2-40B4-BE49-F238E27FC236}">
-                <a16:creationId xmlns:a16="http://schemas.microsoft.com/office/drawing/2014/main" id="{51444F64-05B0-F7BC-622F-5C0A6C0E426B}"/>
+                <a16:creationId xmlns:a16="http://schemas.microsoft.com/office/drawing/2014/main" id="{6873F143-99CF-ADEB-67EC-BB6EFC410734}"/>
               </a:ext>
             </a:extLst>
           </p:cNvPr>
@@ -894,7 +894,7 @@
           <p:cNvPr id="6" name="灯片编号占位符 5">
             <a:extLst>
               <a:ext uri="{FF2B5EF4-FFF2-40B4-BE49-F238E27FC236}">
-                <a16:creationId xmlns:a16="http://schemas.microsoft.com/office/drawing/2014/main" id="{C5CAE501-2E04-4E77-D59E-F73BDBA2B422}"/>
+                <a16:creationId xmlns:a16="http://schemas.microsoft.com/office/drawing/2014/main" id="{7CB96308-D6B7-EB3E-284F-0D811158C2B7}"/>
               </a:ext>
             </a:extLst>
           </p:cNvPr>
@@ -910,7 +910,7 @@
           <a:bodyPr/>
           <a:lstStyle/>
           <a:p>
-            <a:fld id="{A4FB184F-146D-48CB-A03E-7248E719BF40}" type="slidenum">
+            <a:fld id="{6F25E0C2-1275-43ED-A579-8575476856E1}" type="slidenum">
               <a:rPr lang="zh-CN" altLang="en-US" smtClean="0"/>
               <a:t>‹#›</a:t>
             </a:fld>
@@ -921,7 +921,7 @@
     </p:spTree>
     <p:extLst>
       <p:ext uri="{BB962C8B-B14F-4D97-AF65-F5344CB8AC3E}">
-        <p14:creationId xmlns:p14="http://schemas.microsoft.com/office/powerpoint/2010/main" val="697801365"/>
+        <p14:creationId xmlns:p14="http://schemas.microsoft.com/office/powerpoint/2010/main" val="2762236177"/>
       </p:ext>
     </p:extLst>
   </p:cSld>
@@ -953,7 +953,7 @@
           <p:cNvPr id="2" name="标题 1">
             <a:extLst>
               <a:ext uri="{FF2B5EF4-FFF2-40B4-BE49-F238E27FC236}">
-                <a16:creationId xmlns:a16="http://schemas.microsoft.com/office/drawing/2014/main" id="{953FABB5-3C07-3E62-48C3-53895E56E7E0}"/>
+                <a16:creationId xmlns:a16="http://schemas.microsoft.com/office/drawing/2014/main" id="{3193AD37-1E1F-4944-796A-3B6DB0915205}"/>
               </a:ext>
             </a:extLst>
           </p:cNvPr>
@@ -990,7 +990,7 @@
           <p:cNvPr id="3" name="文本占位符 2">
             <a:extLst>
               <a:ext uri="{FF2B5EF4-FFF2-40B4-BE49-F238E27FC236}">
-                <a16:creationId xmlns:a16="http://schemas.microsoft.com/office/drawing/2014/main" id="{85C0B9F9-DFA8-A883-71B7-1852DBA5E754}"/>
+                <a16:creationId xmlns:a16="http://schemas.microsoft.com/office/drawing/2014/main" id="{822CB686-62EA-8FB7-3F1E-C2DDA27051D2}"/>
               </a:ext>
             </a:extLst>
           </p:cNvPr>
@@ -1115,7 +1115,7 @@
           <p:cNvPr id="4" name="日期占位符 3">
             <a:extLst>
               <a:ext uri="{FF2B5EF4-FFF2-40B4-BE49-F238E27FC236}">
-                <a16:creationId xmlns:a16="http://schemas.microsoft.com/office/drawing/2014/main" id="{F67E344D-421C-16ED-1F4F-41ACEA5AF41B}"/>
+                <a16:creationId xmlns:a16="http://schemas.microsoft.com/office/drawing/2014/main" id="{53D04AD1-C5C1-535C-5241-F3FD5F850369}"/>
               </a:ext>
             </a:extLst>
           </p:cNvPr>
@@ -1131,7 +1131,7 @@
           <a:bodyPr/>
           <a:lstStyle/>
           <a:p>
-            <a:fld id="{6CB16E69-54F6-4642-AE98-640E3E442860}" type="datetimeFigureOut">
+            <a:fld id="{871FB27D-F792-400B-AA25-56871DD7C2F9}" type="datetimeFigureOut">
               <a:rPr lang="zh-CN" altLang="en-US" smtClean="0"/>
               <a:t>2024/3/10</a:t>
             </a:fld>
@@ -1144,7 +1144,7 @@
           <p:cNvPr id="5" name="页脚占位符 4">
             <a:extLst>
               <a:ext uri="{FF2B5EF4-FFF2-40B4-BE49-F238E27FC236}">
-                <a16:creationId xmlns:a16="http://schemas.microsoft.com/office/drawing/2014/main" id="{E98FF924-134F-E09E-F765-ABF2DB31D78B}"/>
+                <a16:creationId xmlns:a16="http://schemas.microsoft.com/office/drawing/2014/main" id="{A5267813-0F2A-DEB9-33FC-161D8A5409B9}"/>
               </a:ext>
             </a:extLst>
           </p:cNvPr>
@@ -1169,7 +1169,7 @@
           <p:cNvPr id="6" name="灯片编号占位符 5">
             <a:extLst>
               <a:ext uri="{FF2B5EF4-FFF2-40B4-BE49-F238E27FC236}">
-                <a16:creationId xmlns:a16="http://schemas.microsoft.com/office/drawing/2014/main" id="{6020FA94-0752-65C2-91FC-100507175EC5}"/>
+                <a16:creationId xmlns:a16="http://schemas.microsoft.com/office/drawing/2014/main" id="{36EE41E1-CF51-FA66-9D0A-2171079A302F}"/>
               </a:ext>
             </a:extLst>
           </p:cNvPr>
@@ -1185,7 +1185,7 @@
           <a:bodyPr/>
           <a:lstStyle/>
           <a:p>
-            <a:fld id="{A4FB184F-146D-48CB-A03E-7248E719BF40}" type="slidenum">
+            <a:fld id="{6F25E0C2-1275-43ED-A579-8575476856E1}" type="slidenum">
               <a:rPr lang="zh-CN" altLang="en-US" smtClean="0"/>
               <a:t>‹#›</a:t>
             </a:fld>
@@ -1196,7 +1196,7 @@
     </p:spTree>
     <p:extLst>
       <p:ext uri="{BB962C8B-B14F-4D97-AF65-F5344CB8AC3E}">
-        <p14:creationId xmlns:p14="http://schemas.microsoft.com/office/powerpoint/2010/main" val="1557051703"/>
+        <p14:creationId xmlns:p14="http://schemas.microsoft.com/office/powerpoint/2010/main" val="4267993496"/>
       </p:ext>
     </p:extLst>
   </p:cSld>
@@ -1228,7 +1228,7 @@
           <p:cNvPr id="2" name="标题 1">
             <a:extLst>
               <a:ext uri="{FF2B5EF4-FFF2-40B4-BE49-F238E27FC236}">
-                <a16:creationId xmlns:a16="http://schemas.microsoft.com/office/drawing/2014/main" id="{50B07433-364A-A432-9C52-EAB21D6086C3}"/>
+                <a16:creationId xmlns:a16="http://schemas.microsoft.com/office/drawing/2014/main" id="{CE5C0AC8-6A5C-1D85-D7C6-7ED6B5EBEFD0}"/>
               </a:ext>
             </a:extLst>
           </p:cNvPr>
@@ -1256,7 +1256,7 @@
           <p:cNvPr id="3" name="内容占位符 2">
             <a:extLst>
               <a:ext uri="{FF2B5EF4-FFF2-40B4-BE49-F238E27FC236}">
-                <a16:creationId xmlns:a16="http://schemas.microsoft.com/office/drawing/2014/main" id="{566E957A-F96F-FB24-5799-B6EB91645A48}"/>
+                <a16:creationId xmlns:a16="http://schemas.microsoft.com/office/drawing/2014/main" id="{044ECA61-C77A-526D-31EE-6CC5CE7A1D91}"/>
               </a:ext>
             </a:extLst>
           </p:cNvPr>
@@ -1318,7 +1318,7 @@
           <p:cNvPr id="4" name="内容占位符 3">
             <a:extLst>
               <a:ext uri="{FF2B5EF4-FFF2-40B4-BE49-F238E27FC236}">
-                <a16:creationId xmlns:a16="http://schemas.microsoft.com/office/drawing/2014/main" id="{C4C6BD5B-0159-9C5C-9160-1424A4C20339}"/>
+                <a16:creationId xmlns:a16="http://schemas.microsoft.com/office/drawing/2014/main" id="{3AD596AF-F68A-2994-7954-C4BD5654A857}"/>
               </a:ext>
             </a:extLst>
           </p:cNvPr>
@@ -1380,7 +1380,7 @@
           <p:cNvPr id="5" name="日期占位符 4">
             <a:extLst>
               <a:ext uri="{FF2B5EF4-FFF2-40B4-BE49-F238E27FC236}">
-                <a16:creationId xmlns:a16="http://schemas.microsoft.com/office/drawing/2014/main" id="{4107D446-8076-5C39-CFAD-EC9A0558E198}"/>
+                <a16:creationId xmlns:a16="http://schemas.microsoft.com/office/drawing/2014/main" id="{1D24E18F-1940-84C2-FCDE-A676978003FC}"/>
               </a:ext>
             </a:extLst>
           </p:cNvPr>
@@ -1396,7 +1396,7 @@
           <a:bodyPr/>
           <a:lstStyle/>
           <a:p>
-            <a:fld id="{6CB16E69-54F6-4642-AE98-640E3E442860}" type="datetimeFigureOut">
+            <a:fld id="{871FB27D-F792-400B-AA25-56871DD7C2F9}" type="datetimeFigureOut">
               <a:rPr lang="zh-CN" altLang="en-US" smtClean="0"/>
               <a:t>2024/3/10</a:t>
             </a:fld>
@@ -1409,7 +1409,7 @@
           <p:cNvPr id="6" name="页脚占位符 5">
             <a:extLst>
               <a:ext uri="{FF2B5EF4-FFF2-40B4-BE49-F238E27FC236}">
-                <a16:creationId xmlns:a16="http://schemas.microsoft.com/office/drawing/2014/main" id="{900308AD-64F3-CE94-C689-B16A8CCA7D53}"/>
+                <a16:creationId xmlns:a16="http://schemas.microsoft.com/office/drawing/2014/main" id="{7AF1984A-A3CC-0053-2B30-C86C0D2AE4B3}"/>
               </a:ext>
             </a:extLst>
           </p:cNvPr>
@@ -1434,7 +1434,7 @@
           <p:cNvPr id="7" name="灯片编号占位符 6">
             <a:extLst>
               <a:ext uri="{FF2B5EF4-FFF2-40B4-BE49-F238E27FC236}">
-                <a16:creationId xmlns:a16="http://schemas.microsoft.com/office/drawing/2014/main" id="{DF5B3B36-F492-EAF0-A9FB-4DED4BE982E9}"/>
+                <a16:creationId xmlns:a16="http://schemas.microsoft.com/office/drawing/2014/main" id="{9033108A-29C1-ED06-41FE-061FC47125DB}"/>
               </a:ext>
             </a:extLst>
           </p:cNvPr>
@@ -1450,7 +1450,7 @@
           <a:bodyPr/>
           <a:lstStyle/>
           <a:p>
-            <a:fld id="{A4FB184F-146D-48CB-A03E-7248E719BF40}" type="slidenum">
+            <a:fld id="{6F25E0C2-1275-43ED-A579-8575476856E1}" type="slidenum">
               <a:rPr lang="zh-CN" altLang="en-US" smtClean="0"/>
               <a:t>‹#›</a:t>
             </a:fld>
@@ -1461,7 +1461,7 @@
     </p:spTree>
     <p:extLst>
       <p:ext uri="{BB962C8B-B14F-4D97-AF65-F5344CB8AC3E}">
-        <p14:creationId xmlns:p14="http://schemas.microsoft.com/office/powerpoint/2010/main" val="887509892"/>
+        <p14:creationId xmlns:p14="http://schemas.microsoft.com/office/powerpoint/2010/main" val="698019665"/>
       </p:ext>
     </p:extLst>
   </p:cSld>
@@ -1493,7 +1493,7 @@
           <p:cNvPr id="2" name="标题 1">
             <a:extLst>
               <a:ext uri="{FF2B5EF4-FFF2-40B4-BE49-F238E27FC236}">
-                <a16:creationId xmlns:a16="http://schemas.microsoft.com/office/drawing/2014/main" id="{169500E9-99DB-F1B2-6979-43D29C16CBE7}"/>
+                <a16:creationId xmlns:a16="http://schemas.microsoft.com/office/drawing/2014/main" id="{67B6B00E-956D-2527-906A-9437B0C29A3F}"/>
               </a:ext>
             </a:extLst>
           </p:cNvPr>
@@ -1526,7 +1526,7 @@
           <p:cNvPr id="3" name="文本占位符 2">
             <a:extLst>
               <a:ext uri="{FF2B5EF4-FFF2-40B4-BE49-F238E27FC236}">
-                <a16:creationId xmlns:a16="http://schemas.microsoft.com/office/drawing/2014/main" id="{D3909BCA-DD18-0079-981F-3186136089A3}"/>
+                <a16:creationId xmlns:a16="http://schemas.microsoft.com/office/drawing/2014/main" id="{CD52E9E6-C3D7-73B2-E7C7-1EEE395B2C47}"/>
               </a:ext>
             </a:extLst>
           </p:cNvPr>
@@ -1597,7 +1597,7 @@
           <p:cNvPr id="4" name="内容占位符 3">
             <a:extLst>
               <a:ext uri="{FF2B5EF4-FFF2-40B4-BE49-F238E27FC236}">
-                <a16:creationId xmlns:a16="http://schemas.microsoft.com/office/drawing/2014/main" id="{74884696-5029-D346-873E-348BAD4D8479}"/>
+                <a16:creationId xmlns:a16="http://schemas.microsoft.com/office/drawing/2014/main" id="{5E766C0A-952A-986C-6984-70F462A07F8D}"/>
               </a:ext>
             </a:extLst>
           </p:cNvPr>
@@ -1659,7 +1659,7 @@
           <p:cNvPr id="5" name="文本占位符 4">
             <a:extLst>
               <a:ext uri="{FF2B5EF4-FFF2-40B4-BE49-F238E27FC236}">
-                <a16:creationId xmlns:a16="http://schemas.microsoft.com/office/drawing/2014/main" id="{FCB64728-8040-69F8-A63B-5565AE8693C1}"/>
+                <a16:creationId xmlns:a16="http://schemas.microsoft.com/office/drawing/2014/main" id="{602B8369-F956-B555-E655-2820695E6D54}"/>
               </a:ext>
             </a:extLst>
           </p:cNvPr>
@@ -1730,7 +1730,7 @@
           <p:cNvPr id="6" name="内容占位符 5">
             <a:extLst>
               <a:ext uri="{FF2B5EF4-FFF2-40B4-BE49-F238E27FC236}">
-                <a16:creationId xmlns:a16="http://schemas.microsoft.com/office/drawing/2014/main" id="{04538877-FACF-77DA-F9B8-D7D7E8C2B369}"/>
+                <a16:creationId xmlns:a16="http://schemas.microsoft.com/office/drawing/2014/main" id="{AEE04126-2E64-7637-62F4-CA53EDC3B800}"/>
               </a:ext>
             </a:extLst>
           </p:cNvPr>
@@ -1792,7 +1792,7 @@
           <p:cNvPr id="7" name="日期占位符 6">
             <a:extLst>
               <a:ext uri="{FF2B5EF4-FFF2-40B4-BE49-F238E27FC236}">
-                <a16:creationId xmlns:a16="http://schemas.microsoft.com/office/drawing/2014/main" id="{A7CE5126-71A1-2B49-B2FA-B7C3C1F9CDAB}"/>
+                <a16:creationId xmlns:a16="http://schemas.microsoft.com/office/drawing/2014/main" id="{0B5912D8-0AEE-3859-9B28-990428EE753A}"/>
               </a:ext>
             </a:extLst>
           </p:cNvPr>
@@ -1808,7 +1808,7 @@
           <a:bodyPr/>
           <a:lstStyle/>
           <a:p>
-            <a:fld id="{6CB16E69-54F6-4642-AE98-640E3E442860}" type="datetimeFigureOut">
+            <a:fld id="{871FB27D-F792-400B-AA25-56871DD7C2F9}" type="datetimeFigureOut">
               <a:rPr lang="zh-CN" altLang="en-US" smtClean="0"/>
               <a:t>2024/3/10</a:t>
             </a:fld>
@@ -1821,7 +1821,7 @@
           <p:cNvPr id="8" name="页脚占位符 7">
             <a:extLst>
               <a:ext uri="{FF2B5EF4-FFF2-40B4-BE49-F238E27FC236}">
-                <a16:creationId xmlns:a16="http://schemas.microsoft.com/office/drawing/2014/main" id="{D6A6969A-9E67-B58B-776D-3D875C9B747F}"/>
+                <a16:creationId xmlns:a16="http://schemas.microsoft.com/office/drawing/2014/main" id="{DD393E06-68DA-B92D-F9C5-6B5AC0B6B7E8}"/>
               </a:ext>
             </a:extLst>
           </p:cNvPr>
@@ -1846,7 +1846,7 @@
           <p:cNvPr id="9" name="灯片编号占位符 8">
             <a:extLst>
               <a:ext uri="{FF2B5EF4-FFF2-40B4-BE49-F238E27FC236}">
-                <a16:creationId xmlns:a16="http://schemas.microsoft.com/office/drawing/2014/main" id="{71DD2448-548B-618A-A3FD-0EBAAC4369A4}"/>
+                <a16:creationId xmlns:a16="http://schemas.microsoft.com/office/drawing/2014/main" id="{85C2B450-844C-0EFC-4575-982B96A64DEA}"/>
               </a:ext>
             </a:extLst>
           </p:cNvPr>
@@ -1862,7 +1862,7 @@
           <a:bodyPr/>
           <a:lstStyle/>
           <a:p>
-            <a:fld id="{A4FB184F-146D-48CB-A03E-7248E719BF40}" type="slidenum">
+            <a:fld id="{6F25E0C2-1275-43ED-A579-8575476856E1}" type="slidenum">
               <a:rPr lang="zh-CN" altLang="en-US" smtClean="0"/>
               <a:t>‹#›</a:t>
             </a:fld>
@@ -1873,7 +1873,7 @@
     </p:spTree>
     <p:extLst>
       <p:ext uri="{BB962C8B-B14F-4D97-AF65-F5344CB8AC3E}">
-        <p14:creationId xmlns:p14="http://schemas.microsoft.com/office/powerpoint/2010/main" val="1401670826"/>
+        <p14:creationId xmlns:p14="http://schemas.microsoft.com/office/powerpoint/2010/main" val="3128616721"/>
       </p:ext>
     </p:extLst>
   </p:cSld>
@@ -1905,7 +1905,7 @@
           <p:cNvPr id="2" name="标题 1">
             <a:extLst>
               <a:ext uri="{FF2B5EF4-FFF2-40B4-BE49-F238E27FC236}">
-                <a16:creationId xmlns:a16="http://schemas.microsoft.com/office/drawing/2014/main" id="{B962BF14-9979-69F8-6E63-E59A788C5961}"/>
+                <a16:creationId xmlns:a16="http://schemas.microsoft.com/office/drawing/2014/main" id="{887A4417-1111-3806-FF82-EC2FC59A6302}"/>
               </a:ext>
             </a:extLst>
           </p:cNvPr>
@@ -1933,7 +1933,7 @@
           <p:cNvPr id="3" name="日期占位符 2">
             <a:extLst>
               <a:ext uri="{FF2B5EF4-FFF2-40B4-BE49-F238E27FC236}">
-                <a16:creationId xmlns:a16="http://schemas.microsoft.com/office/drawing/2014/main" id="{AE987164-25D6-FCB1-68E8-CA224D81F877}"/>
+                <a16:creationId xmlns:a16="http://schemas.microsoft.com/office/drawing/2014/main" id="{3289FC41-C484-E733-12F7-CB4A47C84309}"/>
               </a:ext>
             </a:extLst>
           </p:cNvPr>
@@ -1949,7 +1949,7 @@
           <a:bodyPr/>
           <a:lstStyle/>
           <a:p>
-            <a:fld id="{6CB16E69-54F6-4642-AE98-640E3E442860}" type="datetimeFigureOut">
+            <a:fld id="{871FB27D-F792-400B-AA25-56871DD7C2F9}" type="datetimeFigureOut">
               <a:rPr lang="zh-CN" altLang="en-US" smtClean="0"/>
               <a:t>2024/3/10</a:t>
             </a:fld>
@@ -1962,7 +1962,7 @@
           <p:cNvPr id="4" name="页脚占位符 3">
             <a:extLst>
               <a:ext uri="{FF2B5EF4-FFF2-40B4-BE49-F238E27FC236}">
-                <a16:creationId xmlns:a16="http://schemas.microsoft.com/office/drawing/2014/main" id="{D8BE0F0F-78EA-2F5C-686F-150045BFEBBD}"/>
+                <a16:creationId xmlns:a16="http://schemas.microsoft.com/office/drawing/2014/main" id="{28C5FD74-5498-FF5A-C887-97AC62E9DF25}"/>
               </a:ext>
             </a:extLst>
           </p:cNvPr>
@@ -1987,7 +1987,7 @@
           <p:cNvPr id="5" name="灯片编号占位符 4">
             <a:extLst>
               <a:ext uri="{FF2B5EF4-FFF2-40B4-BE49-F238E27FC236}">
-                <a16:creationId xmlns:a16="http://schemas.microsoft.com/office/drawing/2014/main" id="{D2961EC8-F875-C457-9D57-106F5631E684}"/>
+                <a16:creationId xmlns:a16="http://schemas.microsoft.com/office/drawing/2014/main" id="{2F0E1262-E0A0-4F44-C7E6-3B2A89496EDC}"/>
               </a:ext>
             </a:extLst>
           </p:cNvPr>
@@ -2003,7 +2003,7 @@
           <a:bodyPr/>
           <a:lstStyle/>
           <a:p>
-            <a:fld id="{A4FB184F-146D-48CB-A03E-7248E719BF40}" type="slidenum">
+            <a:fld id="{6F25E0C2-1275-43ED-A579-8575476856E1}" type="slidenum">
               <a:rPr lang="zh-CN" altLang="en-US" smtClean="0"/>
               <a:t>‹#›</a:t>
             </a:fld>
@@ -2014,7 +2014,7 @@
     </p:spTree>
     <p:extLst>
       <p:ext uri="{BB962C8B-B14F-4D97-AF65-F5344CB8AC3E}">
-        <p14:creationId xmlns:p14="http://schemas.microsoft.com/office/powerpoint/2010/main" val="2308640616"/>
+        <p14:creationId xmlns:p14="http://schemas.microsoft.com/office/powerpoint/2010/main" val="3326705911"/>
       </p:ext>
     </p:extLst>
   </p:cSld>
@@ -2046,7 +2046,7 @@
           <p:cNvPr id="2" name="日期占位符 1">
             <a:extLst>
               <a:ext uri="{FF2B5EF4-FFF2-40B4-BE49-F238E27FC236}">
-                <a16:creationId xmlns:a16="http://schemas.microsoft.com/office/drawing/2014/main" id="{B4804A93-5C9D-EC97-D6DF-1131189759D6}"/>
+                <a16:creationId xmlns:a16="http://schemas.microsoft.com/office/drawing/2014/main" id="{22E24B3C-B983-C7FD-B93C-36BC5354494B}"/>
               </a:ext>
             </a:extLst>
           </p:cNvPr>
@@ -2062,7 +2062,7 @@
           <a:bodyPr/>
           <a:lstStyle/>
           <a:p>
-            <a:fld id="{6CB16E69-54F6-4642-AE98-640E3E442860}" type="datetimeFigureOut">
+            <a:fld id="{871FB27D-F792-400B-AA25-56871DD7C2F9}" type="datetimeFigureOut">
               <a:rPr lang="zh-CN" altLang="en-US" smtClean="0"/>
               <a:t>2024/3/10</a:t>
             </a:fld>
@@ -2075,7 +2075,7 @@
           <p:cNvPr id="3" name="页脚占位符 2">
             <a:extLst>
               <a:ext uri="{FF2B5EF4-FFF2-40B4-BE49-F238E27FC236}">
-                <a16:creationId xmlns:a16="http://schemas.microsoft.com/office/drawing/2014/main" id="{A5505211-3D6C-2EB3-2971-C14A13F5DA3E}"/>
+                <a16:creationId xmlns:a16="http://schemas.microsoft.com/office/drawing/2014/main" id="{34E807EF-D2A5-6B38-4F35-8F745D3727FD}"/>
               </a:ext>
             </a:extLst>
           </p:cNvPr>
@@ -2100,7 +2100,7 @@
           <p:cNvPr id="4" name="灯片编号占位符 3">
             <a:extLst>
               <a:ext uri="{FF2B5EF4-FFF2-40B4-BE49-F238E27FC236}">
-                <a16:creationId xmlns:a16="http://schemas.microsoft.com/office/drawing/2014/main" id="{CCB3A3D4-27F3-B353-7CF2-43D276C22FD5}"/>
+                <a16:creationId xmlns:a16="http://schemas.microsoft.com/office/drawing/2014/main" id="{0B7A06C1-B55F-FC16-D7AA-6BDDF9D3BCD4}"/>
               </a:ext>
             </a:extLst>
           </p:cNvPr>
@@ -2116,7 +2116,7 @@
           <a:bodyPr/>
           <a:lstStyle/>
           <a:p>
-            <a:fld id="{A4FB184F-146D-48CB-A03E-7248E719BF40}" type="slidenum">
+            <a:fld id="{6F25E0C2-1275-43ED-A579-8575476856E1}" type="slidenum">
               <a:rPr lang="zh-CN" altLang="en-US" smtClean="0"/>
               <a:t>‹#›</a:t>
             </a:fld>
@@ -2127,7 +2127,7 @@
     </p:spTree>
     <p:extLst>
       <p:ext uri="{BB962C8B-B14F-4D97-AF65-F5344CB8AC3E}">
-        <p14:creationId xmlns:p14="http://schemas.microsoft.com/office/powerpoint/2010/main" val="1480170411"/>
+        <p14:creationId xmlns:p14="http://schemas.microsoft.com/office/powerpoint/2010/main" val="312479552"/>
       </p:ext>
     </p:extLst>
   </p:cSld>
@@ -2159,7 +2159,7 @@
           <p:cNvPr id="2" name="标题 1">
             <a:extLst>
               <a:ext uri="{FF2B5EF4-FFF2-40B4-BE49-F238E27FC236}">
-                <a16:creationId xmlns:a16="http://schemas.microsoft.com/office/drawing/2014/main" id="{C2F0CC60-A1AC-404E-6A19-AF4AB9D5426B}"/>
+                <a16:creationId xmlns:a16="http://schemas.microsoft.com/office/drawing/2014/main" id="{948E6EAF-CDD2-4DE7-3572-4173E5FB76F3}"/>
               </a:ext>
             </a:extLst>
           </p:cNvPr>
@@ -2196,7 +2196,7 @@
           <p:cNvPr id="3" name="内容占位符 2">
             <a:extLst>
               <a:ext uri="{FF2B5EF4-FFF2-40B4-BE49-F238E27FC236}">
-                <a16:creationId xmlns:a16="http://schemas.microsoft.com/office/drawing/2014/main" id="{0BC3091D-3D4E-6DAD-5292-08FA6E8B8834}"/>
+                <a16:creationId xmlns:a16="http://schemas.microsoft.com/office/drawing/2014/main" id="{416B5606-6B70-2877-526A-C1587EC27448}"/>
               </a:ext>
             </a:extLst>
           </p:cNvPr>
@@ -2286,7 +2286,7 @@
           <p:cNvPr id="4" name="文本占位符 3">
             <a:extLst>
               <a:ext uri="{FF2B5EF4-FFF2-40B4-BE49-F238E27FC236}">
-                <a16:creationId xmlns:a16="http://schemas.microsoft.com/office/drawing/2014/main" id="{809ED3CC-CE5F-3F9B-6E50-D92F0C238370}"/>
+                <a16:creationId xmlns:a16="http://schemas.microsoft.com/office/drawing/2014/main" id="{02A644E4-2EC5-195C-59DC-ECA6A7364260}"/>
               </a:ext>
             </a:extLst>
           </p:cNvPr>
@@ -2357,7 +2357,7 @@
           <p:cNvPr id="5" name="日期占位符 4">
             <a:extLst>
               <a:ext uri="{FF2B5EF4-FFF2-40B4-BE49-F238E27FC236}">
-                <a16:creationId xmlns:a16="http://schemas.microsoft.com/office/drawing/2014/main" id="{C3C02E68-D6CC-608C-D5B1-696989F4BC8C}"/>
+                <a16:creationId xmlns:a16="http://schemas.microsoft.com/office/drawing/2014/main" id="{82384C1C-2381-4E9C-DDB9-D6E6F35B9BF0}"/>
               </a:ext>
             </a:extLst>
           </p:cNvPr>
@@ -2373,7 +2373,7 @@
           <a:bodyPr/>
           <a:lstStyle/>
           <a:p>
-            <a:fld id="{6CB16E69-54F6-4642-AE98-640E3E442860}" type="datetimeFigureOut">
+            <a:fld id="{871FB27D-F792-400B-AA25-56871DD7C2F9}" type="datetimeFigureOut">
               <a:rPr lang="zh-CN" altLang="en-US" smtClean="0"/>
               <a:t>2024/3/10</a:t>
             </a:fld>
@@ -2386,7 +2386,7 @@
           <p:cNvPr id="6" name="页脚占位符 5">
             <a:extLst>
               <a:ext uri="{FF2B5EF4-FFF2-40B4-BE49-F238E27FC236}">
-                <a16:creationId xmlns:a16="http://schemas.microsoft.com/office/drawing/2014/main" id="{E3D918D4-8663-8DEB-739B-6E67F54E3D64}"/>
+                <a16:creationId xmlns:a16="http://schemas.microsoft.com/office/drawing/2014/main" id="{BE826446-63F4-A148-C1FF-B568C0C7A442}"/>
               </a:ext>
             </a:extLst>
           </p:cNvPr>
@@ -2411,7 +2411,7 @@
           <p:cNvPr id="7" name="灯片编号占位符 6">
             <a:extLst>
               <a:ext uri="{FF2B5EF4-FFF2-40B4-BE49-F238E27FC236}">
-                <a16:creationId xmlns:a16="http://schemas.microsoft.com/office/drawing/2014/main" id="{A1AD96FB-E7C1-0803-8AE1-33DC6EF2D74C}"/>
+                <a16:creationId xmlns:a16="http://schemas.microsoft.com/office/drawing/2014/main" id="{13F53D9A-79BB-F37F-89FE-645D6575E87C}"/>
               </a:ext>
             </a:extLst>
           </p:cNvPr>
@@ -2427,7 +2427,7 @@
           <a:bodyPr/>
           <a:lstStyle/>
           <a:p>
-            <a:fld id="{A4FB184F-146D-48CB-A03E-7248E719BF40}" type="slidenum">
+            <a:fld id="{6F25E0C2-1275-43ED-A579-8575476856E1}" type="slidenum">
               <a:rPr lang="zh-CN" altLang="en-US" smtClean="0"/>
               <a:t>‹#›</a:t>
             </a:fld>
@@ -2438,7 +2438,7 @@
     </p:spTree>
     <p:extLst>
       <p:ext uri="{BB962C8B-B14F-4D97-AF65-F5344CB8AC3E}">
-        <p14:creationId xmlns:p14="http://schemas.microsoft.com/office/powerpoint/2010/main" val="1639907269"/>
+        <p14:creationId xmlns:p14="http://schemas.microsoft.com/office/powerpoint/2010/main" val="1703905160"/>
       </p:ext>
     </p:extLst>
   </p:cSld>
@@ -2470,7 +2470,7 @@
           <p:cNvPr id="2" name="标题 1">
             <a:extLst>
               <a:ext uri="{FF2B5EF4-FFF2-40B4-BE49-F238E27FC236}">
-                <a16:creationId xmlns:a16="http://schemas.microsoft.com/office/drawing/2014/main" id="{D68AD045-106C-8AF7-201F-28C1A33B197A}"/>
+                <a16:creationId xmlns:a16="http://schemas.microsoft.com/office/drawing/2014/main" id="{C4C30107-B97E-DEE6-21EA-C85C0B4488F3}"/>
               </a:ext>
             </a:extLst>
           </p:cNvPr>
@@ -2507,7 +2507,7 @@
           <p:cNvPr id="3" name="图片占位符 2">
             <a:extLst>
               <a:ext uri="{FF2B5EF4-FFF2-40B4-BE49-F238E27FC236}">
-                <a16:creationId xmlns:a16="http://schemas.microsoft.com/office/drawing/2014/main" id="{68DEF594-B790-A45A-F369-E83EE23889D5}"/>
+                <a16:creationId xmlns:a16="http://schemas.microsoft.com/office/drawing/2014/main" id="{9C7AFE19-3DFB-F39D-CBA2-8459EB607C99}"/>
               </a:ext>
             </a:extLst>
           </p:cNvPr>
@@ -2574,7 +2574,7 @@
           <p:cNvPr id="4" name="文本占位符 3">
             <a:extLst>
               <a:ext uri="{FF2B5EF4-FFF2-40B4-BE49-F238E27FC236}">
-                <a16:creationId xmlns:a16="http://schemas.microsoft.com/office/drawing/2014/main" id="{BDA05E82-AABE-890D-76D5-D1105310023C}"/>
+                <a16:creationId xmlns:a16="http://schemas.microsoft.com/office/drawing/2014/main" id="{A36C9A16-AE5B-5B05-11AA-9F1419B756AE}"/>
               </a:ext>
             </a:extLst>
           </p:cNvPr>
@@ -2645,7 +2645,7 @@
           <p:cNvPr id="5" name="日期占位符 4">
             <a:extLst>
               <a:ext uri="{FF2B5EF4-FFF2-40B4-BE49-F238E27FC236}">
-                <a16:creationId xmlns:a16="http://schemas.microsoft.com/office/drawing/2014/main" id="{6C1D8532-EB1F-0493-8DFC-12B354282E7A}"/>
+                <a16:creationId xmlns:a16="http://schemas.microsoft.com/office/drawing/2014/main" id="{CEC451DB-3AB3-33C2-9212-3FB3C9DF01ED}"/>
               </a:ext>
             </a:extLst>
           </p:cNvPr>
@@ -2661,7 +2661,7 @@
           <a:bodyPr/>
           <a:lstStyle/>
           <a:p>
-            <a:fld id="{6CB16E69-54F6-4642-AE98-640E3E442860}" type="datetimeFigureOut">
+            <a:fld id="{871FB27D-F792-400B-AA25-56871DD7C2F9}" type="datetimeFigureOut">
               <a:rPr lang="zh-CN" altLang="en-US" smtClean="0"/>
               <a:t>2024/3/10</a:t>
             </a:fld>
@@ -2674,7 +2674,7 @@
           <p:cNvPr id="6" name="页脚占位符 5">
             <a:extLst>
               <a:ext uri="{FF2B5EF4-FFF2-40B4-BE49-F238E27FC236}">
-                <a16:creationId xmlns:a16="http://schemas.microsoft.com/office/drawing/2014/main" id="{0419D0BD-767E-39DD-0774-DA6F540A0F7C}"/>
+                <a16:creationId xmlns:a16="http://schemas.microsoft.com/office/drawing/2014/main" id="{C1CBD871-5C20-2AB6-5EBF-5DE4E9BC15D1}"/>
               </a:ext>
             </a:extLst>
           </p:cNvPr>
@@ -2699,7 +2699,7 @@
           <p:cNvPr id="7" name="灯片编号占位符 6">
             <a:extLst>
               <a:ext uri="{FF2B5EF4-FFF2-40B4-BE49-F238E27FC236}">
-                <a16:creationId xmlns:a16="http://schemas.microsoft.com/office/drawing/2014/main" id="{E23750D9-6A12-194F-A988-F302648676C1}"/>
+                <a16:creationId xmlns:a16="http://schemas.microsoft.com/office/drawing/2014/main" id="{3E2FB77C-79C6-58D0-56BD-60D3E8D5B630}"/>
               </a:ext>
             </a:extLst>
           </p:cNvPr>
@@ -2715,7 +2715,7 @@
           <a:bodyPr/>
           <a:lstStyle/>
           <a:p>
-            <a:fld id="{A4FB184F-146D-48CB-A03E-7248E719BF40}" type="slidenum">
+            <a:fld id="{6F25E0C2-1275-43ED-A579-8575476856E1}" type="slidenum">
               <a:rPr lang="zh-CN" altLang="en-US" smtClean="0"/>
               <a:t>‹#›</a:t>
             </a:fld>
@@ -2726,7 +2726,7 @@
     </p:spTree>
     <p:extLst>
       <p:ext uri="{BB962C8B-B14F-4D97-AF65-F5344CB8AC3E}">
-        <p14:creationId xmlns:p14="http://schemas.microsoft.com/office/powerpoint/2010/main" val="1533186165"/>
+        <p14:creationId xmlns:p14="http://schemas.microsoft.com/office/powerpoint/2010/main" val="3544813078"/>
       </p:ext>
     </p:extLst>
   </p:cSld>
@@ -2763,7 +2763,7 @@
           <p:cNvPr id="2" name="标题占位符 1">
             <a:extLst>
               <a:ext uri="{FF2B5EF4-FFF2-40B4-BE49-F238E27FC236}">
-                <a16:creationId xmlns:a16="http://schemas.microsoft.com/office/drawing/2014/main" id="{03D5DC38-0547-2102-0ECA-C1B447F7F262}"/>
+                <a16:creationId xmlns:a16="http://schemas.microsoft.com/office/drawing/2014/main" id="{0140524F-15EB-4DC4-7516-289BDB844EFD}"/>
               </a:ext>
             </a:extLst>
           </p:cNvPr>
@@ -2801,7 +2801,7 @@
           <p:cNvPr id="3" name="文本占位符 2">
             <a:extLst>
               <a:ext uri="{FF2B5EF4-FFF2-40B4-BE49-F238E27FC236}">
-                <a16:creationId xmlns:a16="http://schemas.microsoft.com/office/drawing/2014/main" id="{B964F70B-CC85-2762-5A52-150281662525}"/>
+                <a16:creationId xmlns:a16="http://schemas.microsoft.com/office/drawing/2014/main" id="{2489542E-050C-FD10-A24C-24AF0801D0A5}"/>
               </a:ext>
             </a:extLst>
           </p:cNvPr>
@@ -2868,7 +2868,7 @@
           <p:cNvPr id="4" name="日期占位符 3">
             <a:extLst>
               <a:ext uri="{FF2B5EF4-FFF2-40B4-BE49-F238E27FC236}">
-                <a16:creationId xmlns:a16="http://schemas.microsoft.com/office/drawing/2014/main" id="{CE88A977-1B69-A15D-8C33-BACF77AE534E}"/>
+                <a16:creationId xmlns:a16="http://schemas.microsoft.com/office/drawing/2014/main" id="{95FBCA52-6C2D-BA7A-1AEC-12B840B30C92}"/>
               </a:ext>
             </a:extLst>
           </p:cNvPr>
@@ -2902,7 +2902,7 @@
             </a:lvl1pPr>
           </a:lstStyle>
           <a:p>
-            <a:fld id="{6CB16E69-54F6-4642-AE98-640E3E442860}" type="datetimeFigureOut">
+            <a:fld id="{871FB27D-F792-400B-AA25-56871DD7C2F9}" type="datetimeFigureOut">
               <a:rPr lang="zh-CN" altLang="en-US" smtClean="0"/>
               <a:t>2024/3/10</a:t>
             </a:fld>
@@ -2915,7 +2915,7 @@
           <p:cNvPr id="5" name="页脚占位符 4">
             <a:extLst>
               <a:ext uri="{FF2B5EF4-FFF2-40B4-BE49-F238E27FC236}">
-                <a16:creationId xmlns:a16="http://schemas.microsoft.com/office/drawing/2014/main" id="{A7F75377-A8A6-9790-1D63-F250250DB6CC}"/>
+                <a16:creationId xmlns:a16="http://schemas.microsoft.com/office/drawing/2014/main" id="{E7329FDC-2C82-DC9E-028A-3642E1A4FD7F}"/>
               </a:ext>
             </a:extLst>
           </p:cNvPr>
@@ -2958,7 +2958,7 @@
           <p:cNvPr id="6" name="灯片编号占位符 5">
             <a:extLst>
               <a:ext uri="{FF2B5EF4-FFF2-40B4-BE49-F238E27FC236}">
-                <a16:creationId xmlns:a16="http://schemas.microsoft.com/office/drawing/2014/main" id="{2DA21877-BCCE-C75E-0F6E-2B4A5279B2C6}"/>
+                <a16:creationId xmlns:a16="http://schemas.microsoft.com/office/drawing/2014/main" id="{E3D9A6E3-CC43-2CD5-9824-D9CEF67783C2}"/>
               </a:ext>
             </a:extLst>
           </p:cNvPr>
@@ -2992,7 +2992,7 @@
             </a:lvl1pPr>
           </a:lstStyle>
           <a:p>
-            <a:fld id="{A4FB184F-146D-48CB-A03E-7248E719BF40}" type="slidenum">
+            <a:fld id="{6F25E0C2-1275-43ED-A579-8575476856E1}" type="slidenum">
               <a:rPr lang="zh-CN" altLang="en-US" smtClean="0"/>
               <a:t>‹#›</a:t>
             </a:fld>
@@ -3003,7 +3003,7 @@
     </p:spTree>
     <p:extLst>
       <p:ext uri="{BB962C8B-B14F-4D97-AF65-F5344CB8AC3E}">
-        <p14:creationId xmlns:p14="http://schemas.microsoft.com/office/powerpoint/2010/main" val="535511589"/>
+        <p14:creationId xmlns:p14="http://schemas.microsoft.com/office/powerpoint/2010/main" val="2554114805"/>
       </p:ext>
     </p:extLst>
   </p:cSld>
